--- a/3_recommender_system/Rec.pptx
+++ b/3_recommender_system/Rec.pptx
@@ -112,6 +112,11 @@
       </a:defRPr>
     </a:lvl9pPr>
   </p:defaultTextStyle>
+  <p:extLst>
+    <p:ext uri="{EFAFB233-063F-42B5-8137-9DF3F51BA10A}">
+      <p15:sldGuideLst xmlns:p15="http://schemas.microsoft.com/office/powerpoint/2012/main"/>
+    </p:ext>
+  </p:extLst>
 </p:presentation>
 </file>
 
@@ -262,7 +267,7 @@
           <a:p>
             <a:fld id="{7F054F72-F3DA-AD47-B204-0A23BE565D0E}" type="datetimeFigureOut">
               <a:rPr lang="en-US" smtClean="0"/>
-              <a:t>8/3/19</a:t>
+              <a:t>8/4/19</a:t>
             </a:fld>
             <a:endParaRPr lang="en-US"/>
           </a:p>
@@ -460,7 +465,7 @@
           <a:p>
             <a:fld id="{7F054F72-F3DA-AD47-B204-0A23BE565D0E}" type="datetimeFigureOut">
               <a:rPr lang="en-US" smtClean="0"/>
-              <a:t>8/3/19</a:t>
+              <a:t>8/4/19</a:t>
             </a:fld>
             <a:endParaRPr lang="en-US"/>
           </a:p>
@@ -668,7 +673,7 @@
           <a:p>
             <a:fld id="{7F054F72-F3DA-AD47-B204-0A23BE565D0E}" type="datetimeFigureOut">
               <a:rPr lang="en-US" smtClean="0"/>
-              <a:t>8/3/19</a:t>
+              <a:t>8/4/19</a:t>
             </a:fld>
             <a:endParaRPr lang="en-US"/>
           </a:p>
@@ -866,7 +871,7 @@
           <a:p>
             <a:fld id="{7F054F72-F3DA-AD47-B204-0A23BE565D0E}" type="datetimeFigureOut">
               <a:rPr lang="en-US" smtClean="0"/>
-              <a:t>8/3/19</a:t>
+              <a:t>8/4/19</a:t>
             </a:fld>
             <a:endParaRPr lang="en-US"/>
           </a:p>
@@ -1141,7 +1146,7 @@
           <a:p>
             <a:fld id="{7F054F72-F3DA-AD47-B204-0A23BE565D0E}" type="datetimeFigureOut">
               <a:rPr lang="en-US" smtClean="0"/>
-              <a:t>8/3/19</a:t>
+              <a:t>8/4/19</a:t>
             </a:fld>
             <a:endParaRPr lang="en-US"/>
           </a:p>
@@ -1406,7 +1411,7 @@
           <a:p>
             <a:fld id="{7F054F72-F3DA-AD47-B204-0A23BE565D0E}" type="datetimeFigureOut">
               <a:rPr lang="en-US" smtClean="0"/>
-              <a:t>8/3/19</a:t>
+              <a:t>8/4/19</a:t>
             </a:fld>
             <a:endParaRPr lang="en-US"/>
           </a:p>
@@ -1818,7 +1823,7 @@
           <a:p>
             <a:fld id="{7F054F72-F3DA-AD47-B204-0A23BE565D0E}" type="datetimeFigureOut">
               <a:rPr lang="en-US" smtClean="0"/>
-              <a:t>8/3/19</a:t>
+              <a:t>8/4/19</a:t>
             </a:fld>
             <a:endParaRPr lang="en-US"/>
           </a:p>
@@ -1959,7 +1964,7 @@
           <a:p>
             <a:fld id="{7F054F72-F3DA-AD47-B204-0A23BE565D0E}" type="datetimeFigureOut">
               <a:rPr lang="en-US" smtClean="0"/>
-              <a:t>8/3/19</a:t>
+              <a:t>8/4/19</a:t>
             </a:fld>
             <a:endParaRPr lang="en-US"/>
           </a:p>
@@ -2072,7 +2077,7 @@
           <a:p>
             <a:fld id="{7F054F72-F3DA-AD47-B204-0A23BE565D0E}" type="datetimeFigureOut">
               <a:rPr lang="en-US" smtClean="0"/>
-              <a:t>8/3/19</a:t>
+              <a:t>8/4/19</a:t>
             </a:fld>
             <a:endParaRPr lang="en-US"/>
           </a:p>
@@ -2383,7 +2388,7 @@
           <a:p>
             <a:fld id="{7F054F72-F3DA-AD47-B204-0A23BE565D0E}" type="datetimeFigureOut">
               <a:rPr lang="en-US" smtClean="0"/>
-              <a:t>8/3/19</a:t>
+              <a:t>8/4/19</a:t>
             </a:fld>
             <a:endParaRPr lang="en-US"/>
           </a:p>
@@ -2671,7 +2676,7 @@
           <a:p>
             <a:fld id="{7F054F72-F3DA-AD47-B204-0A23BE565D0E}" type="datetimeFigureOut">
               <a:rPr lang="en-US" smtClean="0"/>
-              <a:t>8/3/19</a:t>
+              <a:t>8/4/19</a:t>
             </a:fld>
             <a:endParaRPr lang="en-US"/>
           </a:p>
@@ -2912,7 +2917,7 @@
           <a:p>
             <a:fld id="{7F054F72-F3DA-AD47-B204-0A23BE565D0E}" type="datetimeFigureOut">
               <a:rPr lang="en-US" smtClean="0"/>
-              <a:t>8/3/19</a:t>
+              <a:t>8/4/19</a:t>
             </a:fld>
             <a:endParaRPr lang="en-US"/>
           </a:p>
@@ -3677,8 +3682,8 @@
           </a:p>
         </p:txBody>
       </p:sp>
-      <mc:AlternateContent xmlns:mc="http://schemas.openxmlformats.org/markup-compatibility/2006">
-        <mc:Choice xmlns:a14="http://schemas.microsoft.com/office/drawing/2010/main" Requires="a14">
+      <mc:AlternateContent xmlns:mc="http://schemas.openxmlformats.org/markup-compatibility/2006" xmlns:a14="http://schemas.microsoft.com/office/drawing/2010/main">
+        <mc:Choice Requires="a14">
           <p:sp>
             <p:nvSpPr>
               <p:cNvPr id="3" name="Content Placeholder 2">
@@ -4017,7 +4022,7 @@
             </p:txBody>
           </p:sp>
         </mc:Choice>
-        <mc:Fallback>
+        <mc:Fallback xmlns="">
           <p:sp>
             <p:nvSpPr>
               <p:cNvPr id="3" name="Content Placeholder 2">
@@ -4692,15 +4697,40 @@
                                   </m:r>
                                 </m:e>
                                 <m:sub>
-                                  <m:r>
-                                    <a:rPr lang="en-US" b="0" i="1" smtClean="0">
-                                      <a:solidFill>
-                                        <a:srgbClr val="FF0000"/>
-                                      </a:solidFill>
-                                      <a:latin typeface="Cambria Math" panose="02040503050406030204" pitchFamily="18" charset="0"/>
-                                    </a:rPr>
-                                    <m:t>𝑖</m:t>
-                                  </m:r>
+                                  <m:sSub>
+                                    <m:sSubPr>
+                                      <m:ctrlPr>
+                                        <a:rPr lang="en-US" b="0" i="1" smtClean="0">
+                                          <a:solidFill>
+                                            <a:srgbClr val="FF0000"/>
+                                          </a:solidFill>
+                                          <a:latin typeface="Cambria Math" panose="02040503050406030204" pitchFamily="18" charset="0"/>
+                                        </a:rPr>
+                                      </m:ctrlPr>
+                                    </m:sSubPr>
+                                    <m:e>
+                                      <m:r>
+                                        <a:rPr lang="en-US" b="0" i="1" smtClean="0">
+                                          <a:solidFill>
+                                            <a:srgbClr val="FF0000"/>
+                                          </a:solidFill>
+                                          <a:latin typeface="Cambria Math" panose="02040503050406030204" pitchFamily="18" charset="0"/>
+                                        </a:rPr>
+                                        <m:t>𝑢</m:t>
+                                      </m:r>
+                                    </m:e>
+                                    <m:sub>
+                                      <m:r>
+                                        <a:rPr lang="en-US" b="0" i="1" smtClean="0">
+                                          <a:solidFill>
+                                            <a:srgbClr val="FF0000"/>
+                                          </a:solidFill>
+                                          <a:latin typeface="Cambria Math" panose="02040503050406030204" pitchFamily="18" charset="0"/>
+                                        </a:rPr>
+                                        <m:t>𝑖</m:t>
+                                      </m:r>
+                                    </m:sub>
+                                  </m:sSub>
                                 </m:sub>
                               </m:sSub>
                               <m:r>
@@ -4735,15 +4765,40 @@
                                   </m:r>
                                 </m:e>
                                 <m:sub>
-                                  <m:r>
-                                    <a:rPr lang="en-US" b="0" i="1" smtClean="0">
-                                      <a:solidFill>
-                                        <a:srgbClr val="FF0000"/>
-                                      </a:solidFill>
-                                      <a:latin typeface="Cambria Math" panose="02040503050406030204" pitchFamily="18" charset="0"/>
-                                    </a:rPr>
-                                    <m:t>𝑗</m:t>
-                                  </m:r>
+                                  <m:sSub>
+                                    <m:sSubPr>
+                                      <m:ctrlPr>
+                                        <a:rPr lang="en-US" b="0" i="1" smtClean="0">
+                                          <a:solidFill>
+                                            <a:srgbClr val="FF0000"/>
+                                          </a:solidFill>
+                                          <a:latin typeface="Cambria Math" panose="02040503050406030204" pitchFamily="18" charset="0"/>
+                                        </a:rPr>
+                                      </m:ctrlPr>
+                                    </m:sSubPr>
+                                    <m:e>
+                                      <m:r>
+                                        <a:rPr lang="en-US" b="0" i="1" smtClean="0">
+                                          <a:solidFill>
+                                            <a:srgbClr val="FF0000"/>
+                                          </a:solidFill>
+                                          <a:latin typeface="Cambria Math" panose="02040503050406030204" pitchFamily="18" charset="0"/>
+                                        </a:rPr>
+                                        <m:t>𝑣</m:t>
+                                      </m:r>
+                                    </m:e>
+                                    <m:sub>
+                                      <m:r>
+                                        <a:rPr lang="en-US" b="0" i="1" smtClean="0">
+                                          <a:solidFill>
+                                            <a:srgbClr val="FF0000"/>
+                                          </a:solidFill>
+                                          <a:latin typeface="Cambria Math" panose="02040503050406030204" pitchFamily="18" charset="0"/>
+                                        </a:rPr>
+                                        <m:t>𝑗</m:t>
+                                      </m:r>
+                                    </m:sub>
+                                  </m:sSub>
                                 </m:sub>
                               </m:sSub>
                               <m:r>
@@ -4803,7 +4858,7 @@
               <a:blipFill>
                 <a:blip r:embed="rId2"/>
                 <a:stretch>
-                  <a:fillRect l="-4183" t="-2632" r="-1195" b="-44444"/>
+                  <a:fillRect l="-6773" t="-2632" r="-1195" b="-44444"/>
                 </a:stretch>
               </a:blipFill>
             </p:spPr>
@@ -4899,8 +4954,8 @@
           <a:chExt cx="0" cy="0"/>
         </a:xfrm>
       </p:grpSpPr>
-      <mc:AlternateContent xmlns:mc="http://schemas.openxmlformats.org/markup-compatibility/2006">
-        <mc:Choice xmlns:a14="http://schemas.microsoft.com/office/drawing/2010/main" Requires="a14">
+      <mc:AlternateContent xmlns:mc="http://schemas.openxmlformats.org/markup-compatibility/2006" xmlns:a14="http://schemas.microsoft.com/office/drawing/2010/main">
+        <mc:Choice Requires="a14">
           <p:sp>
             <p:nvSpPr>
               <p:cNvPr id="2" name="Title 1">
@@ -5011,7 +5066,7 @@
             </p:txBody>
           </p:sp>
         </mc:Choice>
-        <mc:Fallback>
+        <mc:Fallback xmlns="">
           <p:sp>
             <p:nvSpPr>
               <p:cNvPr id="2" name="Title 1">
@@ -5078,118 +5133,6 @@
               <a:p>
                 <a:r>
                   <a:rPr lang="en-US" dirty="0"/>
-                  <a:t>The score function: </a:t>
-                </a:r>
-                <a14:m>
-                  <m:oMath xmlns:m="http://schemas.openxmlformats.org/officeDocument/2006/math">
-                    <m:sSub>
-                      <m:sSubPr>
-                        <m:ctrlPr>
-                          <a:rPr lang="en-US" b="0" i="1" smtClean="0">
-                            <a:latin typeface="Cambria Math" panose="02040503050406030204" pitchFamily="18" charset="0"/>
-                          </a:rPr>
-                        </m:ctrlPr>
-                      </m:sSubPr>
-                      <m:e>
-                        <m:r>
-                          <a:rPr lang="en-US" b="0" i="1" smtClean="0">
-                            <a:latin typeface="Cambria Math" panose="02040503050406030204" pitchFamily="18" charset="0"/>
-                          </a:rPr>
-                          <m:t>𝑟</m:t>
-                        </m:r>
-                      </m:e>
-                      <m:sub>
-                        <m:r>
-                          <a:rPr lang="en-US" b="0" i="1" smtClean="0">
-                            <a:latin typeface="Cambria Math" panose="02040503050406030204" pitchFamily="18" charset="0"/>
-                          </a:rPr>
-                          <m:t>𝑖</m:t>
-                        </m:r>
-                        <m:r>
-                          <a:rPr lang="en-US" b="0" i="1" smtClean="0">
-                            <a:latin typeface="Cambria Math" panose="02040503050406030204" pitchFamily="18" charset="0"/>
-                          </a:rPr>
-                          <m:t>,</m:t>
-                        </m:r>
-                        <m:r>
-                          <a:rPr lang="en-US" b="0" i="1" smtClean="0">
-                            <a:latin typeface="Cambria Math" panose="02040503050406030204" pitchFamily="18" charset="0"/>
-                          </a:rPr>
-                          <m:t>𝑗</m:t>
-                        </m:r>
-                      </m:sub>
-                    </m:sSub>
-                    <m:r>
-                      <a:rPr lang="en-US" b="0" i="1" smtClean="0">
-                        <a:latin typeface="Cambria Math" panose="02040503050406030204" pitchFamily="18" charset="0"/>
-                      </a:rPr>
-                      <m:t>=</m:t>
-                    </m:r>
-                    <m:sSubSup>
-                      <m:sSubSupPr>
-                        <m:ctrlPr>
-                          <a:rPr lang="en-US" b="0" i="1" smtClean="0">
-                            <a:latin typeface="Cambria Math" panose="02040503050406030204" pitchFamily="18" charset="0"/>
-                          </a:rPr>
-                        </m:ctrlPr>
-                      </m:sSubSupPr>
-                      <m:e>
-                        <m:r>
-                          <a:rPr lang="en-US" b="0" i="1" smtClean="0">
-                            <a:latin typeface="Cambria Math" panose="02040503050406030204" pitchFamily="18" charset="0"/>
-                          </a:rPr>
-                          <m:t>𝑢</m:t>
-                        </m:r>
-                      </m:e>
-                      <m:sub>
-                        <m:r>
-                          <a:rPr lang="en-US" b="0" i="1" smtClean="0">
-                            <a:latin typeface="Cambria Math" panose="02040503050406030204" pitchFamily="18" charset="0"/>
-                          </a:rPr>
-                          <m:t>𝑖</m:t>
-                        </m:r>
-                      </m:sub>
-                      <m:sup>
-                        <m:r>
-                          <a:rPr lang="en-US" b="0" i="1" smtClean="0">
-                            <a:latin typeface="Cambria Math" panose="02040503050406030204" pitchFamily="18" charset="0"/>
-                          </a:rPr>
-                          <m:t>𝑇</m:t>
-                        </m:r>
-                      </m:sup>
-                    </m:sSubSup>
-                    <m:sSub>
-                      <m:sSubPr>
-                        <m:ctrlPr>
-                          <a:rPr lang="en-US" b="0" i="1" smtClean="0">
-                            <a:latin typeface="Cambria Math" panose="02040503050406030204" pitchFamily="18" charset="0"/>
-                          </a:rPr>
-                        </m:ctrlPr>
-                      </m:sSubPr>
-                      <m:e>
-                        <m:r>
-                          <a:rPr lang="en-US" b="0" i="1" smtClean="0">
-                            <a:latin typeface="Cambria Math" panose="02040503050406030204" pitchFamily="18" charset="0"/>
-                          </a:rPr>
-                          <m:t>𝑣</m:t>
-                        </m:r>
-                      </m:e>
-                      <m:sub>
-                        <m:r>
-                          <a:rPr lang="en-US" b="0" i="1" smtClean="0">
-                            <a:latin typeface="Cambria Math" panose="02040503050406030204" pitchFamily="18" charset="0"/>
-                          </a:rPr>
-                          <m:t>𝑗</m:t>
-                        </m:r>
-                      </m:sub>
-                    </m:sSub>
-                  </m:oMath>
-                </a14:m>
-                <a:endParaRPr lang="en-US" dirty="0"/>
-              </a:p>
-              <a:p>
-                <a:r>
-                  <a:rPr lang="en-US" dirty="0"/>
                   <a:t>Matrix Factorization: where user and item representations are static and independent of each other (fixing the model).</a:t>
                 </a:r>
               </a:p>
@@ -5316,13 +5259,7 @@
                       <a:rPr lang="en-US" b="0" i="1" smtClean="0">
                         <a:latin typeface="Cambria Math" panose="02040503050406030204" pitchFamily="18" charset="0"/>
                       </a:rPr>
-                      <m:t>,</m:t>
-                    </m:r>
-                    <m:r>
-                      <a:rPr lang="en-US" b="0" i="1" smtClean="0">
-                        <a:latin typeface="Cambria Math" panose="02040503050406030204" pitchFamily="18" charset="0"/>
-                      </a:rPr>
-                      <m:t>…,</m:t>
+                      <m:t>,…,</m:t>
                     </m:r>
                     <m:sSub>
                       <m:sSubPr>
@@ -5419,7 +5356,7 @@
               <a:blipFill>
                 <a:blip r:embed="rId3"/>
                 <a:stretch>
-                  <a:fillRect l="-965" t="-1754" r="-603"/>
+                  <a:fillRect l="-965" t="-2632" r="-603"/>
                 </a:stretch>
               </a:blipFill>
             </p:spPr>
@@ -5468,8 +5405,8 @@
           <a:chExt cx="0" cy="0"/>
         </a:xfrm>
       </p:grpSpPr>
-      <mc:AlternateContent xmlns:mc="http://schemas.openxmlformats.org/markup-compatibility/2006">
-        <mc:Choice xmlns:a14="http://schemas.microsoft.com/office/drawing/2010/main" Requires="a14">
+      <mc:AlternateContent xmlns:mc="http://schemas.openxmlformats.org/markup-compatibility/2006" xmlns:a14="http://schemas.microsoft.com/office/drawing/2010/main">
+        <mc:Choice Requires="a14">
           <p:sp>
             <p:nvSpPr>
               <p:cNvPr id="2" name="Title 1">
@@ -5585,7 +5522,7 @@
             </p:txBody>
           </p:sp>
         </mc:Choice>
-        <mc:Fallback>
+        <mc:Fallback xmlns="">
           <p:sp>
             <p:nvSpPr>
               <p:cNvPr id="2" name="Title 1">
@@ -5625,8 +5562,8 @@
           </p:sp>
         </mc:Fallback>
       </mc:AlternateContent>
-      <mc:AlternateContent xmlns:mc="http://schemas.openxmlformats.org/markup-compatibility/2006">
-        <mc:Choice xmlns:a14="http://schemas.microsoft.com/office/drawing/2010/main" Requires="a14">
+      <mc:AlternateContent xmlns:mc="http://schemas.openxmlformats.org/markup-compatibility/2006" xmlns:a14="http://schemas.microsoft.com/office/drawing/2010/main">
+        <mc:Choice Requires="a14">
           <p:sp>
             <p:nvSpPr>
               <p:cNvPr id="3" name="Content Placeholder 2">
@@ -6413,7 +6350,7 @@
             </p:txBody>
           </p:sp>
         </mc:Choice>
-        <mc:Fallback>
+        <mc:Fallback xmlns="">
           <p:sp>
             <p:nvSpPr>
               <p:cNvPr id="3" name="Content Placeholder 2">
@@ -6618,8 +6555,8 @@
           </a:p>
         </p:txBody>
       </p:sp>
-      <mc:AlternateContent xmlns:mc="http://schemas.openxmlformats.org/markup-compatibility/2006">
-        <mc:Choice xmlns:a14="http://schemas.microsoft.com/office/drawing/2010/main" Requires="a14">
+      <mc:AlternateContent xmlns:mc="http://schemas.openxmlformats.org/markup-compatibility/2006" xmlns:a14="http://schemas.microsoft.com/office/drawing/2010/main">
+        <mc:Choice Requires="a14">
           <p:sp>
             <p:nvSpPr>
               <p:cNvPr id="3" name="Content Placeholder 2">
@@ -7180,7 +7117,7 @@
             </p:txBody>
           </p:sp>
         </mc:Choice>
-        <mc:Fallback>
+        <mc:Fallback xmlns="">
           <p:sp>
             <p:nvSpPr>
               <p:cNvPr id="3" name="Content Placeholder 2">

--- a/3_recommender_system/Rec.pptx
+++ b/3_recommender_system/Rec.pptx
@@ -3357,8 +3357,13 @@
           <a:p>
             <a:r>
               <a:rPr lang="en-US" dirty="0"/>
-              <a:t>Recommender System on DGL</a:t>
-            </a:r>
+              <a:t>Recommender System </a:t>
+            </a:r>
+            <a:r>
+              <a:rPr lang="en-US"/>
+              <a:t>with GNN</a:t>
+            </a:r>
+            <a:endParaRPr lang="en-US" dirty="0"/>
           </a:p>
         </p:txBody>
       </p:sp>
@@ -5562,8 +5567,8 @@
           </p:sp>
         </mc:Fallback>
       </mc:AlternateContent>
-      <mc:AlternateContent xmlns:mc="http://schemas.openxmlformats.org/markup-compatibility/2006" xmlns:a14="http://schemas.microsoft.com/office/drawing/2010/main">
-        <mc:Choice Requires="a14">
+      <mc:AlternateContent xmlns:mc="http://schemas.openxmlformats.org/markup-compatibility/2006">
+        <mc:Choice xmlns:a14="http://schemas.microsoft.com/office/drawing/2010/main" Requires="a14">
           <p:sp>
             <p:nvSpPr>
               <p:cNvPr id="3" name="Content Placeholder 2">
@@ -5588,7 +5593,7 @@
             </p:spPr>
             <p:txBody>
               <a:bodyPr>
-                <a:normAutofit fontScale="77500" lnSpcReduction="20000"/>
+                <a:normAutofit fontScale="62500" lnSpcReduction="20000"/>
               </a:bodyPr>
               <a:lstStyle/>
               <a:p>
@@ -5596,7 +5601,7 @@
                   <a:rPr lang="en-US" dirty="0">
                     <a:latin typeface="Cambria Math" panose="02040503050406030204" pitchFamily="18" charset="0"/>
                   </a:rPr>
-                  <a:t>To compute user embeddings from item embeddings</a:t>
+                  <a:t>To compute user embeddings from item embeddings.</a:t>
                 </a:r>
               </a:p>
               <a:p>
@@ -5763,7 +5768,51 @@
                     </m:sSubSup>
                   </m:oMath>
                 </a14:m>
-                <a:endParaRPr lang="en-US" b="0" dirty="0"/>
+                <a:r>
+                  <a:rPr lang="en-US" b="0" dirty="0"/>
+                  <a:t>, </a:t>
+                </a:r>
+                <a14:m>
+                  <m:oMath xmlns:m="http://schemas.openxmlformats.org/officeDocument/2006/math">
+                    <m:sSubSup>
+                      <m:sSubSupPr>
+                        <m:ctrlPr>
+                          <a:rPr lang="en-US" i="1">
+                            <a:latin typeface="Cambria Math" panose="02040503050406030204" pitchFamily="18" charset="0"/>
+                          </a:rPr>
+                        </m:ctrlPr>
+                      </m:sSubSupPr>
+                      <m:e>
+                        <m:r>
+                          <a:rPr lang="en-US" i="1">
+                            <a:latin typeface="Cambria Math" panose="02040503050406030204" pitchFamily="18" charset="0"/>
+                          </a:rPr>
+                          <m:t>𝑥</m:t>
+                        </m:r>
+                      </m:e>
+                      <m:sub>
+                        <m:r>
+                          <a:rPr lang="en-US" i="1">
+                            <a:latin typeface="Cambria Math" panose="02040503050406030204" pitchFamily="18" charset="0"/>
+                          </a:rPr>
+                          <m:t>𝑗</m:t>
+                        </m:r>
+                      </m:sub>
+                      <m:sup>
+                        <m:r>
+                          <a:rPr lang="en-US" i="1">
+                            <a:latin typeface="Cambria Math" panose="02040503050406030204" pitchFamily="18" charset="0"/>
+                          </a:rPr>
+                          <m:t>𝑣</m:t>
+                        </m:r>
+                      </m:sup>
+                    </m:sSubSup>
+                  </m:oMath>
+                </a14:m>
+                <a:r>
+                  <a:rPr lang="en-US" b="0" dirty="0"/>
+                  <a:t> is item features.</a:t>
+                </a:r>
               </a:p>
               <a:p>
                 <a:pPr lvl="1"/>
@@ -6163,6 +6212,14 @@
                 </a:endParaRPr>
               </a:p>
               <a:p>
+                <a:r>
+                  <a:rPr lang="en-US" b="0" dirty="0">
+                    <a:ea typeface="Cambria Math" panose="02040503050406030204" pitchFamily="18" charset="0"/>
+                  </a:rPr>
+                  <a:t>Likewise for computing item embeddings.</a:t>
+                </a:r>
+              </a:p>
+              <a:p>
                 <a14:m>
                   <m:oMath xmlns:m="http://schemas.openxmlformats.org/officeDocument/2006/math">
                     <m:r>
@@ -6350,7 +6407,7 @@
             </p:txBody>
           </p:sp>
         </mc:Choice>
-        <mc:Fallback xmlns="">
+        <mc:Fallback>
           <p:sp>
             <p:nvSpPr>
               <p:cNvPr id="3" name="Content Placeholder 2">
@@ -6375,7 +6432,7 @@
               <a:blipFill>
                 <a:blip r:embed="rId4"/>
                 <a:stretch>
-                  <a:fillRect l="-603" t="-7246" b="-6522"/>
+                  <a:fillRect l="-362" t="-5797"/>
                 </a:stretch>
               </a:blipFill>
             </p:spPr>
